--- a/Introduction.pptx
+++ b/Introduction.pptx
@@ -261,7 +261,7 @@
             <a:pPr rtl="0"/>
             <a:fld id="{113EEFA1-0CD4-4B4A-8B81-983694750BEC}" type="datetime1">
               <a:rPr lang="de-DE" smtClean="0"/>
-              <a:t>01.11.2023</a:t>
+              <a:t>24.11.2023</a:t>
             </a:fld>
             <a:endParaRPr lang="de-DE"/>
           </a:p>
@@ -443,7 +443,7 @@
             <a:fld id="{76EEEDEA-3685-4291-AB4B-0B315B572B9D}" type="datetime1">
               <a:rPr lang="de-DE" smtClean="0"/>
               <a:pPr/>
-              <a:t>01.11.2023</a:t>
+              <a:t>24.11.2023</a:t>
             </a:fld>
             <a:endParaRPr lang="de-DE" dirty="0"/>
           </a:p>
@@ -5923,7 +5923,7 @@
               </a:rPr>
               <a:t>Marktmanipulation durch Privatpersonen auf SOCIAL MEDIA</a:t>
             </a:r>
-            <a:endParaRPr lang="de-DE" b="1">
+            <a:endParaRPr lang="de-DE" b="1" dirty="0">
               <a:highlight>
                 <a:srgbClr val="808080"/>
               </a:highlight>
@@ -9180,7 +9180,7 @@
               </a:rPr>
               <a:t> World.</a:t>
             </a:r>
-            <a:endParaRPr lang="de-DE" sz="2400">
+            <a:endParaRPr lang="de-DE" sz="2400" dirty="0">
               <a:ea typeface="Calibri"/>
               <a:cs typeface="Calibri"/>
             </a:endParaRPr>
@@ -10238,6 +10238,15 @@
 </file>
 
 <file path=customXml/item1.xml><?xml version="1.0" encoding="utf-8"?>
+<?mso-contentType ?>
+<FormTemplates xmlns="http://schemas.microsoft.com/sharepoint/v3/contenttype/forms">
+  <Display>DocumentLibraryForm</Display>
+  <Edit>DocumentLibraryForm</Edit>
+  <New>DocumentLibraryForm</New>
+</FormTemplates>
+</file>
+
+<file path=customXml/item2.xml><?xml version="1.0" encoding="utf-8"?>
 <ct:contentTypeSchema xmlns:ct="http://schemas.microsoft.com/office/2006/metadata/contentType" xmlns:ma="http://schemas.microsoft.com/office/2006/metadata/properties/metaAttributes" ct:_="" ma:_="" ma:contentTypeName="Document" ma:contentTypeID="0x01010079F111ED35F8CC479449609E8A0923A6" ma:contentTypeVersion="12" ma:contentTypeDescription="Create a new document." ma:contentTypeScope="" ma:versionID="426e97fa315356fffbdcd9876fe988c2">
   <xsd:schema xmlns:xsd="http://www.w3.org/2001/XMLSchema" xmlns:xs="http://www.w3.org/2001/XMLSchema" xmlns:p="http://schemas.microsoft.com/office/2006/metadata/properties" xmlns:ns2="71af3243-3dd4-4a8d-8c0d-dd76da1f02a5" xmlns:ns3="16c05727-aa75-4e4a-9b5f-8a80a1165891" targetNamespace="http://schemas.microsoft.com/office/2006/metadata/properties" ma:root="true" ma:fieldsID="14b8f0def80e6d70ce3def20c90759ae" ns2:_="" ns3:_="">
     <xsd:import namespace="71af3243-3dd4-4a8d-8c0d-dd76da1f02a5"/>
@@ -10458,15 +10467,6 @@
 </ct:contentTypeSchema>
 </file>
 
-<file path=customXml/item2.xml><?xml version="1.0" encoding="utf-8"?>
-<?mso-contentType ?>
-<FormTemplates xmlns="http://schemas.microsoft.com/sharepoint/v3/contenttype/forms">
-  <Display>DocumentLibraryForm</Display>
-  <Edit>DocumentLibraryForm</Edit>
-  <New>DocumentLibraryForm</New>
-</FormTemplates>
-</file>
-
 <file path=customXml/item3.xml><?xml version="1.0" encoding="utf-8"?>
 <p:properties xmlns:p="http://schemas.microsoft.com/office/2006/metadata/properties" xmlns:xsi="http://www.w3.org/2001/XMLSchema-instance" xmlns:pc="http://schemas.microsoft.com/office/infopath/2007/PartnerControls">
   <documentManagement>
@@ -10477,6 +10477,14 @@
 </file>
 
 <file path=customXml/itemProps1.xml><?xml version="1.0" encoding="utf-8"?>
+<ds:datastoreItem xmlns:ds="http://schemas.openxmlformats.org/officeDocument/2006/customXml" ds:itemID="{99E4EAC9-33DC-4CF0-BA31-C98F61CE4785}">
+  <ds:schemaRefs>
+    <ds:schemaRef ds:uri="http://schemas.microsoft.com/sharepoint/v3/contenttype/forms"/>
+  </ds:schemaRefs>
+</ds:datastoreItem>
+</file>
+
+<file path=customXml/itemProps2.xml><?xml version="1.0" encoding="utf-8"?>
 <ds:datastoreItem xmlns:ds="http://schemas.openxmlformats.org/officeDocument/2006/customXml" ds:itemID="{99A06775-4FD5-4278-BDCC-E6FF131E966F}">
   <ds:schemaRefs>
     <ds:schemaRef ds:uri="http://schemas.microsoft.com/office/2006/metadata/contentType"/>
@@ -10495,14 +10503,6 @@
 </ds:datastoreItem>
 </file>
 
-<file path=customXml/itemProps2.xml><?xml version="1.0" encoding="utf-8"?>
-<ds:datastoreItem xmlns:ds="http://schemas.openxmlformats.org/officeDocument/2006/customXml" ds:itemID="{99E4EAC9-33DC-4CF0-BA31-C98F61CE4785}">
-  <ds:schemaRefs>
-    <ds:schemaRef ds:uri="http://schemas.microsoft.com/sharepoint/v3/contenttype/forms"/>
-  </ds:schemaRefs>
-</ds:datastoreItem>
-</file>
-
 <file path=customXml/itemProps3.xml><?xml version="1.0" encoding="utf-8"?>
 <ds:datastoreItem xmlns:ds="http://schemas.openxmlformats.org/officeDocument/2006/customXml" ds:itemID="{8002A8ED-1331-4C1D-8649-743D7BE164DD}">
   <ds:schemaRefs>
